--- a/paper/images/rounds.pptx
+++ b/paper/images/rounds.pptx
@@ -10,7 +10,7 @@
   <p:sldIdLst>
     <p:sldId id="256" r:id="rId2"/>
   </p:sldIdLst>
-  <p:sldSz cx="7315200" cy="3017838"/>
+  <p:sldSz cx="7315200" cy="3200400"/>
   <p:notesSz cx="6858000" cy="9144000"/>
   <p:defaultTextStyle>
     <a:defPPr>
@@ -110,7 +110,7 @@
   <p:extLst>
     <p:ext uri="{EFAFB233-063F-42B5-8137-9DF3F51BA10A}">
       <p15:sldGuideLst xmlns:p15="http://schemas.microsoft.com/office/powerpoint/2012/main">
-        <p15:guide id="1" orient="horz" pos="952" userDrawn="1">
+        <p15:guide id="1" orient="horz" pos="1010" userDrawn="1">
           <p15:clr>
             <a:srgbClr val="A4A3A4"/>
           </p15:clr>
@@ -208,7 +208,7 @@
           <a:p>
             <a:fld id="{0FD74247-B226-4AE9-A348-000F6D47BAF0}" type="datetimeFigureOut">
               <a:rPr lang="en-US" smtClean="0"/>
-              <a:t>5/31/2016</a:t>
+              <a:t>5/26/17</a:t>
             </a:fld>
             <a:endParaRPr lang="en-US"/>
           </a:p>
@@ -226,8 +226,8 @@
         </p:nvSpPr>
         <p:spPr>
           <a:xfrm>
-            <a:off x="-311150" y="1143000"/>
-            <a:ext cx="7480300" cy="3086100"/>
+            <a:off x="-98425" y="1143000"/>
+            <a:ext cx="7054850" cy="3086100"/>
           </a:xfrm>
           <a:prstGeom prst="rect">
             <a:avLst/>
@@ -502,7 +502,12 @@
             <p:ph type="sldImg"/>
           </p:nvPr>
         </p:nvSpPr>
-        <p:spPr/>
+        <p:spPr>
+          <a:xfrm>
+            <a:off x="-98425" y="1143000"/>
+            <a:ext cx="7054850" cy="3086100"/>
+          </a:xfrm>
+        </p:spPr>
       </p:sp>
       <p:sp>
         <p:nvSpPr>
@@ -588,8 +593,8 @@
         </p:nvSpPr>
         <p:spPr>
           <a:xfrm>
-            <a:off x="548640" y="937488"/>
-            <a:ext cx="6217920" cy="646879"/>
+            <a:off x="548640" y="994201"/>
+            <a:ext cx="6217920" cy="686011"/>
           </a:xfrm>
         </p:spPr>
         <p:txBody>
@@ -615,8 +620,8 @@
         </p:nvSpPr>
         <p:spPr>
           <a:xfrm>
-            <a:off x="1097280" y="1710111"/>
-            <a:ext cx="5120640" cy="771226"/>
+            <a:off x="1097280" y="1813563"/>
+            <a:ext cx="5120640" cy="817881"/>
           </a:xfrm>
         </p:spPr>
         <p:txBody>
@@ -738,7 +743,7 @@
           <a:p>
             <a:fld id="{7FFC3298-46AA-48C7-A049-652578469D16}" type="datetimeFigureOut">
               <a:rPr lang="en-US" smtClean="0"/>
-              <a:t>5/31/2016</a:t>
+              <a:t>5/26/17</a:t>
             </a:fld>
             <a:endParaRPr lang="en-US"/>
           </a:p>
@@ -906,7 +911,7 @@
           <a:p>
             <a:fld id="{7FFC3298-46AA-48C7-A049-652578469D16}" type="datetimeFigureOut">
               <a:rPr lang="en-US" smtClean="0"/>
-              <a:t>5/31/2016</a:t>
+              <a:t>5/26/17</a:t>
             </a:fld>
             <a:endParaRPr lang="en-US"/>
           </a:p>
@@ -996,8 +1001,8 @@
         </p:nvSpPr>
         <p:spPr>
           <a:xfrm>
-            <a:off x="5303520" y="120856"/>
-            <a:ext cx="1645920" cy="2574941"/>
+            <a:off x="5303520" y="128168"/>
+            <a:ext cx="1645920" cy="2730710"/>
           </a:xfrm>
         </p:spPr>
         <p:txBody>
@@ -1023,8 +1028,8 @@
         </p:nvSpPr>
         <p:spPr>
           <a:xfrm>
-            <a:off x="365760" y="120856"/>
-            <a:ext cx="4815840" cy="2574941"/>
+            <a:off x="365760" y="128168"/>
+            <a:ext cx="4815840" cy="2730710"/>
           </a:xfrm>
         </p:spPr>
         <p:txBody>
@@ -1084,7 +1089,7 @@
           <a:p>
             <a:fld id="{7FFC3298-46AA-48C7-A049-652578469D16}" type="datetimeFigureOut">
               <a:rPr lang="en-US" smtClean="0"/>
-              <a:t>5/31/2016</a:t>
+              <a:t>5/26/17</a:t>
             </a:fld>
             <a:endParaRPr lang="en-US"/>
           </a:p>
@@ -1252,7 +1257,7 @@
           <a:p>
             <a:fld id="{7FFC3298-46AA-48C7-A049-652578469D16}" type="datetimeFigureOut">
               <a:rPr lang="en-US" smtClean="0"/>
-              <a:t>5/31/2016</a:t>
+              <a:t>5/26/17</a:t>
             </a:fld>
             <a:endParaRPr lang="en-US"/>
           </a:p>
@@ -1342,8 +1347,8 @@
         </p:nvSpPr>
         <p:spPr>
           <a:xfrm>
-            <a:off x="577850" y="1939242"/>
-            <a:ext cx="6217920" cy="599376"/>
+            <a:off x="577850" y="2056555"/>
+            <a:ext cx="6217920" cy="635635"/>
           </a:xfrm>
         </p:spPr>
         <p:txBody>
@@ -1373,8 +1378,8 @@
         </p:nvSpPr>
         <p:spPr>
           <a:xfrm>
-            <a:off x="577850" y="1279090"/>
-            <a:ext cx="6217920" cy="660152"/>
+            <a:off x="577850" y="1356468"/>
+            <a:ext cx="6217920" cy="700087"/>
           </a:xfrm>
         </p:spPr>
         <p:txBody>
@@ -1497,7 +1502,7 @@
           <a:p>
             <a:fld id="{7FFC3298-46AA-48C7-A049-652578469D16}" type="datetimeFigureOut">
               <a:rPr lang="en-US" smtClean="0"/>
-              <a:t>5/31/2016</a:t>
+              <a:t>5/26/17</a:t>
             </a:fld>
             <a:endParaRPr lang="en-US"/>
           </a:p>
@@ -1609,8 +1614,8 @@
         </p:nvSpPr>
         <p:spPr>
           <a:xfrm>
-            <a:off x="365760" y="704165"/>
-            <a:ext cx="3230880" cy="1991633"/>
+            <a:off x="365760" y="746764"/>
+            <a:ext cx="3230880" cy="2112115"/>
           </a:xfrm>
         </p:spPr>
         <p:txBody>
@@ -1693,8 +1698,8 @@
         </p:nvSpPr>
         <p:spPr>
           <a:xfrm>
-            <a:off x="3718560" y="704165"/>
-            <a:ext cx="3230880" cy="1991633"/>
+            <a:off x="3718560" y="746764"/>
+            <a:ext cx="3230880" cy="2112115"/>
           </a:xfrm>
         </p:spPr>
         <p:txBody>
@@ -1782,7 +1787,7 @@
           <a:p>
             <a:fld id="{7FFC3298-46AA-48C7-A049-652578469D16}" type="datetimeFigureOut">
               <a:rPr lang="en-US" smtClean="0"/>
-              <a:t>5/31/2016</a:t>
+              <a:t>5/26/17</a:t>
             </a:fld>
             <a:endParaRPr lang="en-US"/>
           </a:p>
@@ -1898,8 +1903,8 @@
         </p:nvSpPr>
         <p:spPr>
           <a:xfrm>
-            <a:off x="365762" y="675522"/>
-            <a:ext cx="3232151" cy="281525"/>
+            <a:off x="365762" y="716388"/>
+            <a:ext cx="3232151" cy="298556"/>
           </a:xfrm>
         </p:spPr>
         <p:txBody>
@@ -1963,8 +1968,8 @@
         </p:nvSpPr>
         <p:spPr>
           <a:xfrm>
-            <a:off x="365762" y="957047"/>
-            <a:ext cx="3232151" cy="1738750"/>
+            <a:off x="365762" y="1014943"/>
+            <a:ext cx="3232151" cy="1843934"/>
           </a:xfrm>
         </p:spPr>
         <p:txBody>
@@ -2047,8 +2052,8 @@
         </p:nvSpPr>
         <p:spPr>
           <a:xfrm>
-            <a:off x="3716025" y="675522"/>
-            <a:ext cx="3233420" cy="281525"/>
+            <a:off x="3716025" y="716388"/>
+            <a:ext cx="3233420" cy="298556"/>
           </a:xfrm>
         </p:spPr>
         <p:txBody>
@@ -2112,8 +2117,8 @@
         </p:nvSpPr>
         <p:spPr>
           <a:xfrm>
-            <a:off x="3716025" y="957047"/>
-            <a:ext cx="3233420" cy="1738750"/>
+            <a:off x="3716025" y="1014943"/>
+            <a:ext cx="3233420" cy="1843934"/>
           </a:xfrm>
         </p:spPr>
         <p:txBody>
@@ -2201,7 +2206,7 @@
           <a:p>
             <a:fld id="{7FFC3298-46AA-48C7-A049-652578469D16}" type="datetimeFigureOut">
               <a:rPr lang="en-US" smtClean="0"/>
-              <a:t>5/31/2016</a:t>
+              <a:t>5/26/17</a:t>
             </a:fld>
             <a:endParaRPr lang="en-US"/>
           </a:p>
@@ -2318,7 +2323,7 @@
           <a:p>
             <a:fld id="{7FFC3298-46AA-48C7-A049-652578469D16}" type="datetimeFigureOut">
               <a:rPr lang="en-US" smtClean="0"/>
-              <a:t>5/31/2016</a:t>
+              <a:t>5/26/17</a:t>
             </a:fld>
             <a:endParaRPr lang="en-US"/>
           </a:p>
@@ -2413,7 +2418,7 @@
           <a:p>
             <a:fld id="{7FFC3298-46AA-48C7-A049-652578469D16}" type="datetimeFigureOut">
               <a:rPr lang="en-US" smtClean="0"/>
-              <a:t>5/31/2016</a:t>
+              <a:t>5/26/17</a:t>
             </a:fld>
             <a:endParaRPr lang="en-US"/>
           </a:p>
@@ -2503,8 +2508,8 @@
         </p:nvSpPr>
         <p:spPr>
           <a:xfrm>
-            <a:off x="365765" y="120156"/>
-            <a:ext cx="2406650" cy="511357"/>
+            <a:off x="365765" y="127425"/>
+            <a:ext cx="2406650" cy="542291"/>
           </a:xfrm>
         </p:spPr>
         <p:txBody>
@@ -2534,8 +2539,8 @@
         </p:nvSpPr>
         <p:spPr>
           <a:xfrm>
-            <a:off x="2860043" y="120157"/>
-            <a:ext cx="4089400" cy="2575641"/>
+            <a:off x="2860043" y="127426"/>
+            <a:ext cx="4089400" cy="2731453"/>
           </a:xfrm>
         </p:spPr>
         <p:txBody>
@@ -2618,8 +2623,8 @@
         </p:nvSpPr>
         <p:spPr>
           <a:xfrm>
-            <a:off x="365765" y="631513"/>
-            <a:ext cx="2406650" cy="2064285"/>
+            <a:off x="365765" y="669717"/>
+            <a:ext cx="2406650" cy="2189162"/>
           </a:xfrm>
         </p:spPr>
         <p:txBody>
@@ -2688,7 +2693,7 @@
           <a:p>
             <a:fld id="{7FFC3298-46AA-48C7-A049-652578469D16}" type="datetimeFigureOut">
               <a:rPr lang="en-US" smtClean="0"/>
-              <a:t>5/31/2016</a:t>
+              <a:t>5/26/17</a:t>
             </a:fld>
             <a:endParaRPr lang="en-US"/>
           </a:p>
@@ -2778,8 +2783,8 @@
         </p:nvSpPr>
         <p:spPr>
           <a:xfrm>
-            <a:off x="1433831" y="2112490"/>
-            <a:ext cx="4389120" cy="249391"/>
+            <a:off x="1433831" y="2240284"/>
+            <a:ext cx="4389120" cy="264478"/>
           </a:xfrm>
         </p:spPr>
         <p:txBody>
@@ -2809,8 +2814,8 @@
         </p:nvSpPr>
         <p:spPr>
           <a:xfrm>
-            <a:off x="1433831" y="269651"/>
-            <a:ext cx="4389120" cy="1810703"/>
+            <a:off x="1433831" y="285964"/>
+            <a:ext cx="4389120" cy="1920240"/>
           </a:xfrm>
         </p:spPr>
         <p:txBody>
@@ -2870,8 +2875,8 @@
         </p:nvSpPr>
         <p:spPr>
           <a:xfrm>
-            <a:off x="1433831" y="2361880"/>
-            <a:ext cx="4389120" cy="354177"/>
+            <a:off x="1433831" y="2504761"/>
+            <a:ext cx="4389120" cy="375603"/>
           </a:xfrm>
         </p:spPr>
         <p:txBody>
@@ -2940,7 +2945,7 @@
           <a:p>
             <a:fld id="{7FFC3298-46AA-48C7-A049-652578469D16}" type="datetimeFigureOut">
               <a:rPr lang="en-US" smtClean="0"/>
-              <a:t>5/31/2016</a:t>
+              <a:t>5/26/17</a:t>
             </a:fld>
             <a:endParaRPr lang="en-US"/>
           </a:p>
@@ -3035,8 +3040,8 @@
         </p:nvSpPr>
         <p:spPr>
           <a:xfrm>
-            <a:off x="365760" y="120855"/>
-            <a:ext cx="6583680" cy="502973"/>
+            <a:off x="365760" y="128167"/>
+            <a:ext cx="6583680" cy="533400"/>
           </a:xfrm>
           <a:prstGeom prst="rect">
             <a:avLst/>
@@ -3067,8 +3072,8 @@
         </p:nvSpPr>
         <p:spPr>
           <a:xfrm>
-            <a:off x="365760" y="704165"/>
-            <a:ext cx="6583680" cy="1991633"/>
+            <a:off x="365760" y="746764"/>
+            <a:ext cx="6583680" cy="2112115"/>
           </a:xfrm>
           <a:prstGeom prst="rect">
             <a:avLst/>
@@ -3128,8 +3133,8 @@
         </p:nvSpPr>
         <p:spPr>
           <a:xfrm>
-            <a:off x="365760" y="2797091"/>
-            <a:ext cx="1706880" cy="160672"/>
+            <a:off x="365760" y="2966299"/>
+            <a:ext cx="1706880" cy="170392"/>
           </a:xfrm>
           <a:prstGeom prst="rect">
             <a:avLst/>
@@ -3151,7 +3156,7 @@
           <a:p>
             <a:fld id="{7FFC3298-46AA-48C7-A049-652578469D16}" type="datetimeFigureOut">
               <a:rPr lang="en-US" smtClean="0"/>
-              <a:t>5/31/2016</a:t>
+              <a:t>5/26/17</a:t>
             </a:fld>
             <a:endParaRPr lang="en-US"/>
           </a:p>
@@ -3169,8 +3174,8 @@
         </p:nvSpPr>
         <p:spPr>
           <a:xfrm>
-            <a:off x="2499360" y="2797091"/>
-            <a:ext cx="2316480" cy="160672"/>
+            <a:off x="2499360" y="2966299"/>
+            <a:ext cx="2316480" cy="170392"/>
           </a:xfrm>
           <a:prstGeom prst="rect">
             <a:avLst/>
@@ -3206,8 +3211,8 @@
         </p:nvSpPr>
         <p:spPr>
           <a:xfrm>
-            <a:off x="5242560" y="2797091"/>
-            <a:ext cx="1706880" cy="160672"/>
+            <a:off x="5242560" y="2966299"/>
+            <a:ext cx="1706880" cy="170392"/>
           </a:xfrm>
           <a:prstGeom prst="rect">
             <a:avLst/>
@@ -3536,8 +3541,8 @@
             </p:nvSpPr>
             <p:spPr>
               <a:xfrm rot="18120000">
-                <a:off x="2667270" y="574229"/>
-                <a:ext cx="1965642" cy="298856"/>
+                <a:off x="2667270" y="781771"/>
+                <a:ext cx="1965642" cy="346562"/>
               </a:xfrm>
               <a:prstGeom prst="rect">
                 <a:avLst/>
@@ -3561,14 +3566,14 @@
                       <m:sSub>
                         <m:sSubPr>
                           <m:ctrlPr>
-                            <a:rPr lang="en-US" sz="1300" b="0" i="1" smtClean="0">
-                              <a:latin typeface="Cambria Math" panose="02040503050406030204" pitchFamily="18" charset="0"/>
+                            <a:rPr lang="en-US" sz="1600" i="1">
+                              <a:latin typeface="Cambria Math" charset="0"/>
                             </a:rPr>
                           </m:ctrlPr>
                         </m:sSubPr>
                         <m:e>
                           <m:r>
-                            <a:rPr lang="en-US" sz="1300" b="0" i="1" smtClean="0">
+                            <a:rPr lang="en-US" sz="1600" i="1">
                               <a:latin typeface="Cambria Math"/>
                             </a:rPr>
                             <m:t>𝑏</m:t>
@@ -3576,13 +3581,13 @@
                         </m:e>
                         <m:sub>
                           <m:r>
-                            <a:rPr lang="en-US" sz="1300" b="0" i="1" smtClean="0">
+                            <a:rPr lang="en-US" sz="1600" i="1">
                               <a:latin typeface="Cambria Math"/>
                             </a:rPr>
                             <m:t>𝑖</m:t>
                           </m:r>
                           <m:r>
-                            <a:rPr lang="en-US" sz="1300" b="0" i="1" smtClean="0">
+                            <a:rPr lang="en-US" sz="1600" i="1">
                               <a:latin typeface="Cambria Math"/>
                             </a:rPr>
                             <m:t>−1</m:t>
@@ -3590,7 +3595,7 @@
                         </m:sub>
                       </m:sSub>
                       <m:r>
-                        <a:rPr lang="en-US" sz="1300" b="0" i="1" smtClean="0">
+                        <a:rPr lang="en-US" sz="1600" i="1">
                           <a:latin typeface="Cambria Math"/>
                         </a:rPr>
                         <m:t>≥</m:t>
@@ -3598,20 +3603,20 @@
                       <m:sSup>
                         <m:sSupPr>
                           <m:ctrlPr>
-                            <a:rPr lang="en-US" sz="1300" b="0" i="1" smtClean="0">
-                              <a:latin typeface="Cambria Math" panose="02040503050406030204" pitchFamily="18" charset="0"/>
+                            <a:rPr lang="en-US" sz="1600" i="1">
+                              <a:latin typeface="Cambria Math" charset="0"/>
                             </a:rPr>
                           </m:ctrlPr>
                         </m:sSupPr>
                         <m:e>
                           <m:r>
-                            <a:rPr lang="en-US" sz="1300" b="0" i="1" smtClean="0">
+                            <a:rPr lang="en-US" sz="1600" i="1">
                               <a:latin typeface="Cambria Math" panose="02040503050406030204" pitchFamily="18" charset="0"/>
                             </a:rPr>
                             <m:t>0.6×</m:t>
                           </m:r>
                           <m:r>
-                            <a:rPr lang="en-US" sz="1300" b="0" i="1" smtClean="0">
+                            <a:rPr lang="en-US" sz="1600" i="1">
                               <a:latin typeface="Cambria Math"/>
                             </a:rPr>
                             <m:t>2</m:t>
@@ -3619,29 +3624,23 @@
                         </m:e>
                         <m:sup>
                           <m:r>
-                            <a:rPr lang="en-US" sz="1300" b="0" i="1" smtClean="0">
+                            <a:rPr lang="en-US" sz="1600" i="1">
                               <a:latin typeface="Cambria Math"/>
                             </a:rPr>
                             <m:t>𝑖</m:t>
                           </m:r>
                           <m:r>
-                            <a:rPr lang="en-US" sz="1300" b="0" i="1" smtClean="0">
+                            <a:rPr lang="en-US" sz="1600" i="1">
                               <a:latin typeface="Cambria Math" panose="02040503050406030204" pitchFamily="18" charset="0"/>
                             </a:rPr>
-                            <m:t>+</m:t>
-                          </m:r>
-                          <m:r>
-                            <a:rPr lang="en-US" sz="1300" b="0" i="1" smtClean="0">
-                              <a:latin typeface="Cambria Math" panose="02040503050406030204" pitchFamily="18" charset="0"/>
-                            </a:rPr>
-                            <m:t>3</m:t>
+                            <m:t>+3</m:t>
                           </m:r>
                         </m:sup>
                       </m:sSup>
                     </m:oMath>
                   </m:oMathPara>
                 </a14:m>
-                <a:endParaRPr lang="en-US" sz="1300" dirty="0">
+                <a:endParaRPr lang="en-US" sz="1600" dirty="0">
                   <a:latin typeface="Arial" panose="020B0604020202020204" pitchFamily="34" charset="0"/>
                   <a:cs typeface="Arial" panose="020B0604020202020204" pitchFamily="34" charset="0"/>
                 </a:endParaRPr>
@@ -3660,13 +3659,13 @@
             </p:nvSpPr>
             <p:spPr>
               <a:xfrm rot="18120000">
-                <a:off x="2667270" y="574229"/>
-                <a:ext cx="1965642" cy="298856"/>
+                <a:off x="2667270" y="781771"/>
+                <a:ext cx="1965642" cy="346562"/>
               </a:xfrm>
               <a:prstGeom prst="rect">
                 <a:avLst/>
               </a:prstGeom>
-              <a:blipFill>
+              <a:blipFill rotWithShape="0">
                 <a:blip r:embed="rId3"/>
                 <a:stretch>
                   <a:fillRect/>
@@ -3699,8 +3698,8 @@
             </p:nvSpPr>
             <p:spPr>
               <a:xfrm rot="18060000">
-                <a:off x="4591661" y="629749"/>
-                <a:ext cx="1859416" cy="298856"/>
+                <a:off x="4591661" y="837291"/>
+                <a:ext cx="1859416" cy="346562"/>
               </a:xfrm>
               <a:prstGeom prst="rect">
                 <a:avLst/>
@@ -3724,14 +3723,14 @@
                       <m:sSub>
                         <m:sSubPr>
                           <m:ctrlPr>
-                            <a:rPr lang="en-US" sz="1300" b="0" i="1" smtClean="0">
-                              <a:latin typeface="Cambria Math" panose="02040503050406030204" pitchFamily="18" charset="0"/>
+                            <a:rPr lang="en-US" sz="1600" i="1">
+                              <a:latin typeface="Cambria Math" charset="0"/>
                             </a:rPr>
                           </m:ctrlPr>
                         </m:sSubPr>
                         <m:e>
                           <m:r>
-                            <a:rPr lang="en-US" sz="1300" b="0" i="1" smtClean="0">
+                            <a:rPr lang="en-US" sz="1600" i="1">
                               <a:latin typeface="Cambria Math"/>
                             </a:rPr>
                             <m:t>𝑏</m:t>
@@ -3739,7 +3738,7 @@
                         </m:e>
                         <m:sub>
                           <m:r>
-                            <a:rPr lang="en-US" sz="1300" b="0" i="1" smtClean="0">
+                            <a:rPr lang="en-US" sz="1600" i="1">
                               <a:latin typeface="Cambria Math"/>
                             </a:rPr>
                             <m:t>𝑖</m:t>
@@ -3747,13 +3746,13 @@
                         </m:sub>
                       </m:sSub>
                       <m:r>
-                        <a:rPr lang="en-US" sz="1300" b="0" i="1" smtClean="0">
+                        <a:rPr lang="en-US" sz="1600" i="1">
                           <a:latin typeface="Cambria Math"/>
                         </a:rPr>
                         <m:t>≥</m:t>
                       </m:r>
                       <m:r>
-                        <a:rPr lang="en-US" sz="1300" b="0" i="1" smtClean="0">
+                        <a:rPr lang="en-US" sz="1600" i="1">
                           <a:latin typeface="Cambria Math" panose="02040503050406030204" pitchFamily="18" charset="0"/>
                         </a:rPr>
                         <m:t>0.6×</m:t>
@@ -3761,14 +3760,14 @@
                       <m:sSup>
                         <m:sSupPr>
                           <m:ctrlPr>
-                            <a:rPr lang="en-US" sz="1300" b="0" i="1" smtClean="0">
-                              <a:latin typeface="Cambria Math" panose="02040503050406030204" pitchFamily="18" charset="0"/>
+                            <a:rPr lang="en-US" sz="1600" i="1">
+                              <a:latin typeface="Cambria Math" charset="0"/>
                             </a:rPr>
                           </m:ctrlPr>
                         </m:sSupPr>
                         <m:e>
                           <m:r>
-                            <a:rPr lang="en-US" sz="1300" b="0" i="1" smtClean="0">
+                            <a:rPr lang="en-US" sz="1600" i="1">
                               <a:latin typeface="Cambria Math"/>
                             </a:rPr>
                             <m:t>2</m:t>
@@ -3776,29 +3775,23 @@
                         </m:e>
                         <m:sup>
                           <m:r>
-                            <a:rPr lang="en-US" sz="1300" b="0" i="1" smtClean="0">
+                            <a:rPr lang="en-US" sz="1600" i="1">
                               <a:latin typeface="Cambria Math"/>
                             </a:rPr>
                             <m:t>𝑖</m:t>
                           </m:r>
                           <m:r>
-                            <a:rPr lang="en-US" sz="1300" b="0" i="1" smtClean="0">
+                            <a:rPr lang="en-US" sz="1600" i="1">
                               <a:latin typeface="Cambria Math" panose="02040503050406030204" pitchFamily="18" charset="0"/>
                             </a:rPr>
-                            <m:t>+</m:t>
-                          </m:r>
-                          <m:r>
-                            <a:rPr lang="en-US" sz="1300" b="0" i="1" smtClean="0">
-                              <a:latin typeface="Cambria Math" panose="02040503050406030204" pitchFamily="18" charset="0"/>
-                            </a:rPr>
-                            <m:t>4</m:t>
+                            <m:t>+4</m:t>
                           </m:r>
                         </m:sup>
                       </m:sSup>
                     </m:oMath>
                   </m:oMathPara>
                 </a14:m>
-                <a:endParaRPr lang="en-US" sz="1300" dirty="0">
+                <a:endParaRPr lang="en-US" sz="1600" dirty="0">
                   <a:latin typeface="Arial" panose="020B0604020202020204" pitchFamily="34" charset="0"/>
                   <a:cs typeface="Arial" panose="020B0604020202020204" pitchFamily="34" charset="0"/>
                 </a:endParaRPr>
@@ -3817,13 +3810,13 @@
             </p:nvSpPr>
             <p:spPr>
               <a:xfrm rot="18060000">
-                <a:off x="4591661" y="629749"/>
-                <a:ext cx="1859416" cy="298856"/>
+                <a:off x="4591661" y="837291"/>
+                <a:ext cx="1859416" cy="346562"/>
               </a:xfrm>
               <a:prstGeom prst="rect">
                 <a:avLst/>
               </a:prstGeom>
-              <a:blipFill>
+              <a:blipFill rotWithShape="0">
                 <a:blip r:embed="rId4"/>
                 <a:stretch>
                   <a:fillRect/>
@@ -3854,7 +3847,7 @@
         </p:nvCxnSpPr>
         <p:spPr>
           <a:xfrm flipV="1">
-            <a:off x="5161973" y="1626515"/>
+            <a:off x="5161973" y="1857910"/>
             <a:ext cx="0" cy="366115"/>
           </a:xfrm>
           <a:prstGeom prst="straightConnector1">
@@ -3892,8 +3885,8 @@
             </p:nvSpPr>
             <p:spPr>
               <a:xfrm rot="18000000">
-                <a:off x="3813758" y="721825"/>
-                <a:ext cx="1626737" cy="298856"/>
+                <a:off x="3813759" y="929367"/>
+                <a:ext cx="1626737" cy="346562"/>
               </a:xfrm>
               <a:prstGeom prst="rect">
                 <a:avLst/>
@@ -3917,14 +3910,14 @@
                       <m:sSub>
                         <m:sSubPr>
                           <m:ctrlPr>
-                            <a:rPr lang="en-US" sz="1300" b="0" i="1" smtClean="0">
-                              <a:latin typeface="Cambria Math" panose="02040503050406030204" pitchFamily="18" charset="0"/>
+                            <a:rPr lang="en-US" sz="1600" i="1">
+                              <a:latin typeface="Cambria Math" charset="0"/>
                             </a:rPr>
                           </m:ctrlPr>
                         </m:sSubPr>
                         <m:e>
                           <m:r>
-                            <a:rPr lang="en-US" sz="1300" b="0" i="1" smtClean="0">
+                            <a:rPr lang="en-US" sz="1600" i="1">
                               <a:latin typeface="Cambria Math"/>
                             </a:rPr>
                             <m:t>𝑏</m:t>
@@ -3932,7 +3925,7 @@
                         </m:e>
                         <m:sub>
                           <m:r>
-                            <a:rPr lang="en-US" sz="1300" b="0" i="1" smtClean="0">
+                            <a:rPr lang="en-US" sz="1600" i="1">
                               <a:latin typeface="Cambria Math"/>
                             </a:rPr>
                             <m:t>𝑖</m:t>
@@ -3940,7 +3933,7 @@
                         </m:sub>
                       </m:sSub>
                       <m:r>
-                        <a:rPr lang="en-US" sz="1300" b="0" i="1" smtClean="0">
+                        <a:rPr lang="en-US" sz="1600" i="1">
                           <a:latin typeface="Cambria Math"/>
                         </a:rPr>
                         <m:t>&lt;</m:t>
@@ -3948,20 +3941,20 @@
                       <m:sSup>
                         <m:sSupPr>
                           <m:ctrlPr>
-                            <a:rPr lang="en-US" sz="1300" b="0" i="1" smtClean="0">
-                              <a:latin typeface="Cambria Math" panose="02040503050406030204" pitchFamily="18" charset="0"/>
+                            <a:rPr lang="en-US" sz="1600" i="1">
+                              <a:latin typeface="Cambria Math" charset="0"/>
                             </a:rPr>
                           </m:ctrlPr>
                         </m:sSupPr>
                         <m:e>
                           <m:r>
-                            <a:rPr lang="en-US" sz="1300" b="0" i="1" smtClean="0">
+                            <a:rPr lang="en-US" sz="1600" i="1">
                               <a:latin typeface="Cambria Math" panose="02040503050406030204" pitchFamily="18" charset="0"/>
                             </a:rPr>
                             <m:t>0.6×</m:t>
                           </m:r>
                           <m:r>
-                            <a:rPr lang="en-US" sz="1300" b="0" i="1" smtClean="0">
+                            <a:rPr lang="en-US" sz="1600" i="1">
                               <a:latin typeface="Cambria Math"/>
                             </a:rPr>
                             <m:t>2</m:t>
@@ -3969,29 +3962,23 @@
                         </m:e>
                         <m:sup>
                           <m:r>
-                            <a:rPr lang="en-US" sz="1300" b="0" i="1" smtClean="0">
+                            <a:rPr lang="en-US" sz="1600" i="1">
                               <a:latin typeface="Cambria Math"/>
                             </a:rPr>
                             <m:t>𝑖</m:t>
                           </m:r>
                           <m:r>
-                            <a:rPr lang="en-US" sz="1300" b="0" i="1" smtClean="0">
+                            <a:rPr lang="en-US" sz="1600" i="1">
                               <a:latin typeface="Cambria Math" panose="02040503050406030204" pitchFamily="18" charset="0"/>
                             </a:rPr>
-                            <m:t>+</m:t>
-                          </m:r>
-                          <m:r>
-                            <a:rPr lang="en-US" sz="1300" b="0" i="1" smtClean="0">
-                              <a:latin typeface="Cambria Math" panose="02040503050406030204" pitchFamily="18" charset="0"/>
-                            </a:rPr>
-                            <m:t>4</m:t>
+                            <m:t>+4</m:t>
                           </m:r>
                         </m:sup>
                       </m:sSup>
                     </m:oMath>
                   </m:oMathPara>
                 </a14:m>
-                <a:endParaRPr lang="en-US" sz="1300" dirty="0">
+                <a:endParaRPr lang="en-US" sz="1600" dirty="0">
                   <a:latin typeface="Arial" panose="020B0604020202020204" pitchFamily="34" charset="0"/>
                   <a:cs typeface="Arial" panose="020B0604020202020204" pitchFamily="34" charset="0"/>
                 </a:endParaRPr>
@@ -4010,13 +3997,13 @@
             </p:nvSpPr>
             <p:spPr>
               <a:xfrm rot="18000000">
-                <a:off x="3813758" y="721825"/>
-                <a:ext cx="1626737" cy="298856"/>
+                <a:off x="3813759" y="929367"/>
+                <a:ext cx="1626737" cy="346562"/>
               </a:xfrm>
               <a:prstGeom prst="rect">
                 <a:avLst/>
               </a:prstGeom>
-              <a:blipFill>
+              <a:blipFill rotWithShape="0">
                 <a:blip r:embed="rId5"/>
                 <a:stretch>
                   <a:fillRect/>
@@ -4049,8 +4036,8 @@
             </p:nvSpPr>
             <p:spPr>
               <a:xfrm rot="18000000">
-                <a:off x="2777835" y="211781"/>
-                <a:ext cx="2881865" cy="298856"/>
+                <a:off x="2777836" y="419323"/>
+                <a:ext cx="2881865" cy="346562"/>
               </a:xfrm>
               <a:prstGeom prst="rect">
                 <a:avLst/>
@@ -4065,7 +4052,7 @@
               <a:lstStyle/>
               <a:p>
                 <a:r>
-                  <a:rPr lang="en-US" sz="1300" dirty="0">
+                  <a:rPr lang="en-US" sz="1600" dirty="0">
                     <a:latin typeface="Arial" panose="020B0604020202020204" pitchFamily="34" charset="0"/>
                     <a:cs typeface="Arial" panose="020B0604020202020204" pitchFamily="34" charset="0"/>
                   </a:rPr>
@@ -4076,14 +4063,14 @@
                     <m:sSup>
                       <m:sSupPr>
                         <m:ctrlPr>
-                          <a:rPr lang="en-US" sz="1300" b="0" i="1" smtClean="0">
-                            <a:latin typeface="Cambria Math" panose="02040503050406030204" pitchFamily="18" charset="0"/>
+                          <a:rPr lang="en-US" sz="1600" i="1">
+                            <a:latin typeface="Cambria Math" charset="0"/>
                           </a:rPr>
                         </m:ctrlPr>
                       </m:sSupPr>
                       <m:e>
                         <m:r>
-                          <a:rPr lang="en-US" sz="1300" b="0" i="1" smtClean="0">
+                          <a:rPr lang="en-US" sz="1600" i="1">
                             <a:latin typeface="Cambria Math"/>
                           </a:rPr>
                           <m:t>2</m:t>
@@ -4091,29 +4078,23 @@
                       </m:e>
                       <m:sup>
                         <m:r>
-                          <a:rPr lang="en-US" sz="1300" b="0" i="1" smtClean="0">
+                          <a:rPr lang="en-US" sz="1600" i="1">
                             <a:latin typeface="Cambria Math"/>
                           </a:rPr>
                           <m:t>𝑖</m:t>
                         </m:r>
                         <m:r>
-                          <a:rPr lang="en-US" sz="1300" b="0" i="1" smtClean="0">
+                          <a:rPr lang="en-US" sz="1600" i="1">
                             <a:latin typeface="Cambria Math" panose="02040503050406030204" pitchFamily="18" charset="0"/>
                           </a:rPr>
-                          <m:t>+</m:t>
-                        </m:r>
-                        <m:r>
-                          <a:rPr lang="en-US" sz="1300" b="0" i="1" smtClean="0">
-                            <a:latin typeface="Cambria Math" panose="02040503050406030204" pitchFamily="18" charset="0"/>
-                          </a:rPr>
-                          <m:t>4</m:t>
+                          <m:t>+4</m:t>
                         </m:r>
                       </m:sup>
                     </m:sSup>
                   </m:oMath>
                 </a14:m>
                 <a:r>
-                  <a:rPr lang="en-US" sz="1300" dirty="0">
+                  <a:rPr lang="en-US" sz="1600" dirty="0">
                     <a:latin typeface="Arial" panose="020B0604020202020204" pitchFamily="34" charset="0"/>
                     <a:cs typeface="Arial" panose="020B0604020202020204" pitchFamily="34" charset="0"/>
                   </a:rPr>
@@ -4134,16 +4115,16 @@
             </p:nvSpPr>
             <p:spPr>
               <a:xfrm rot="18000000">
-                <a:off x="2777835" y="211781"/>
-                <a:ext cx="2881865" cy="298856"/>
+                <a:off x="2777836" y="419323"/>
+                <a:ext cx="2881865" cy="346562"/>
               </a:xfrm>
               <a:prstGeom prst="rect">
                 <a:avLst/>
               </a:prstGeom>
-              <a:blipFill>
+              <a:blipFill rotWithShape="0">
                 <a:blip r:embed="rId6"/>
                 <a:stretch>
-                  <a:fillRect b="-920"/>
+                  <a:fillRect l="-1049" b="-2278"/>
                 </a:stretch>
               </a:blipFill>
               <a:effectLst/>
@@ -4172,13 +4153,13 @@
           <p:nvPr>
             <p:extLst>
               <p:ext uri="{D42A27DB-BD31-4B8C-83A1-F6EECF244321}">
-                <p14:modId xmlns:p14="http://schemas.microsoft.com/office/powerpoint/2010/main" val="2357325527"/>
+                <p14:modId xmlns:p14="http://schemas.microsoft.com/office/powerpoint/2010/main" val="1490014761"/>
               </p:ext>
             </p:extLst>
           </p:nvPr>
         </p:nvGraphicFramePr>
         <p:xfrm>
-          <a:off x="1261859" y="1993087"/>
+          <a:off x="1261859" y="2224481"/>
           <a:ext cx="5795622" cy="370840"/>
         </p:xfrm>
         <a:graphic>
@@ -4191,126 +4172,126 @@
                 <a:gridCol w="321979">
                   <a:extLst>
                     <a:ext uri="{9D8B030D-6E8A-4147-A177-3AD203B41FA5}">
-                      <a16:colId xmlns:a16="http://schemas.microsoft.com/office/drawing/2014/main" val="20000"/>
+                      <a16:colId xmlns:a16="http://schemas.microsoft.com/office/drawing/2014/main" xmlns="" val="20000"/>
                     </a:ext>
                   </a:extLst>
                 </a:gridCol>
                 <a:gridCol w="321979">
                   <a:extLst>
                     <a:ext uri="{9D8B030D-6E8A-4147-A177-3AD203B41FA5}">
-                      <a16:colId xmlns:a16="http://schemas.microsoft.com/office/drawing/2014/main" val="20001"/>
+                      <a16:colId xmlns:a16="http://schemas.microsoft.com/office/drawing/2014/main" xmlns="" val="20001"/>
                     </a:ext>
                   </a:extLst>
                 </a:gridCol>
                 <a:gridCol w="321979">
                   <a:extLst>
                     <a:ext uri="{9D8B030D-6E8A-4147-A177-3AD203B41FA5}">
-                      <a16:colId xmlns:a16="http://schemas.microsoft.com/office/drawing/2014/main" val="20002"/>
+                      <a16:colId xmlns:a16="http://schemas.microsoft.com/office/drawing/2014/main" xmlns="" val="20002"/>
                     </a:ext>
                   </a:extLst>
                 </a:gridCol>
                 <a:gridCol w="321979">
                   <a:extLst>
                     <a:ext uri="{9D8B030D-6E8A-4147-A177-3AD203B41FA5}">
-                      <a16:colId xmlns:a16="http://schemas.microsoft.com/office/drawing/2014/main" val="20003"/>
+                      <a16:colId xmlns:a16="http://schemas.microsoft.com/office/drawing/2014/main" xmlns="" val="20003"/>
                     </a:ext>
                   </a:extLst>
                 </a:gridCol>
                 <a:gridCol w="321979">
                   <a:extLst>
                     <a:ext uri="{9D8B030D-6E8A-4147-A177-3AD203B41FA5}">
-                      <a16:colId xmlns:a16="http://schemas.microsoft.com/office/drawing/2014/main" val="20004"/>
+                      <a16:colId xmlns:a16="http://schemas.microsoft.com/office/drawing/2014/main" xmlns="" val="20004"/>
                     </a:ext>
                   </a:extLst>
                 </a:gridCol>
                 <a:gridCol w="321979">
                   <a:extLst>
                     <a:ext uri="{9D8B030D-6E8A-4147-A177-3AD203B41FA5}">
-                      <a16:colId xmlns:a16="http://schemas.microsoft.com/office/drawing/2014/main" val="20005"/>
+                      <a16:colId xmlns:a16="http://schemas.microsoft.com/office/drawing/2014/main" xmlns="" val="20005"/>
                     </a:ext>
                   </a:extLst>
                 </a:gridCol>
                 <a:gridCol w="321979">
                   <a:extLst>
                     <a:ext uri="{9D8B030D-6E8A-4147-A177-3AD203B41FA5}">
-                      <a16:colId xmlns:a16="http://schemas.microsoft.com/office/drawing/2014/main" val="20006"/>
+                      <a16:colId xmlns:a16="http://schemas.microsoft.com/office/drawing/2014/main" xmlns="" val="20006"/>
                     </a:ext>
                   </a:extLst>
                 </a:gridCol>
                 <a:gridCol w="321979">
                   <a:extLst>
                     <a:ext uri="{9D8B030D-6E8A-4147-A177-3AD203B41FA5}">
-                      <a16:colId xmlns:a16="http://schemas.microsoft.com/office/drawing/2014/main" val="20007"/>
+                      <a16:colId xmlns:a16="http://schemas.microsoft.com/office/drawing/2014/main" xmlns="" val="20007"/>
                     </a:ext>
                   </a:extLst>
                 </a:gridCol>
                 <a:gridCol w="321979">
                   <a:extLst>
                     <a:ext uri="{9D8B030D-6E8A-4147-A177-3AD203B41FA5}">
-                      <a16:colId xmlns:a16="http://schemas.microsoft.com/office/drawing/2014/main" val="20008"/>
+                      <a16:colId xmlns:a16="http://schemas.microsoft.com/office/drawing/2014/main" xmlns="" val="20008"/>
                     </a:ext>
                   </a:extLst>
                 </a:gridCol>
                 <a:gridCol w="321979">
                   <a:extLst>
                     <a:ext uri="{9D8B030D-6E8A-4147-A177-3AD203B41FA5}">
-                      <a16:colId xmlns:a16="http://schemas.microsoft.com/office/drawing/2014/main" val="20009"/>
+                      <a16:colId xmlns:a16="http://schemas.microsoft.com/office/drawing/2014/main" xmlns="" val="20009"/>
                     </a:ext>
                   </a:extLst>
                 </a:gridCol>
                 <a:gridCol w="321979">
                   <a:extLst>
                     <a:ext uri="{9D8B030D-6E8A-4147-A177-3AD203B41FA5}">
-                      <a16:colId xmlns:a16="http://schemas.microsoft.com/office/drawing/2014/main" val="20010"/>
+                      <a16:colId xmlns:a16="http://schemas.microsoft.com/office/drawing/2014/main" xmlns="" val="20010"/>
                     </a:ext>
                   </a:extLst>
                 </a:gridCol>
                 <a:gridCol w="321979">
                   <a:extLst>
                     <a:ext uri="{9D8B030D-6E8A-4147-A177-3AD203B41FA5}">
-                      <a16:colId xmlns:a16="http://schemas.microsoft.com/office/drawing/2014/main" val="20011"/>
+                      <a16:colId xmlns:a16="http://schemas.microsoft.com/office/drawing/2014/main" xmlns="" val="20011"/>
                     </a:ext>
                   </a:extLst>
                 </a:gridCol>
                 <a:gridCol w="321979">
                   <a:extLst>
                     <a:ext uri="{9D8B030D-6E8A-4147-A177-3AD203B41FA5}">
-                      <a16:colId xmlns:a16="http://schemas.microsoft.com/office/drawing/2014/main" val="20012"/>
+                      <a16:colId xmlns:a16="http://schemas.microsoft.com/office/drawing/2014/main" xmlns="" val="20012"/>
                     </a:ext>
                   </a:extLst>
                 </a:gridCol>
                 <a:gridCol w="321979">
                   <a:extLst>
                     <a:ext uri="{9D8B030D-6E8A-4147-A177-3AD203B41FA5}">
-                      <a16:colId xmlns:a16="http://schemas.microsoft.com/office/drawing/2014/main" val="20013"/>
+                      <a16:colId xmlns:a16="http://schemas.microsoft.com/office/drawing/2014/main" xmlns="" val="20013"/>
                     </a:ext>
                   </a:extLst>
                 </a:gridCol>
                 <a:gridCol w="321979">
                   <a:extLst>
                     <a:ext uri="{9D8B030D-6E8A-4147-A177-3AD203B41FA5}">
-                      <a16:colId xmlns:a16="http://schemas.microsoft.com/office/drawing/2014/main" val="20014"/>
+                      <a16:colId xmlns:a16="http://schemas.microsoft.com/office/drawing/2014/main" xmlns="" val="20014"/>
                     </a:ext>
                   </a:extLst>
                 </a:gridCol>
                 <a:gridCol w="321979">
                   <a:extLst>
                     <a:ext uri="{9D8B030D-6E8A-4147-A177-3AD203B41FA5}">
-                      <a16:colId xmlns:a16="http://schemas.microsoft.com/office/drawing/2014/main" val="20015"/>
+                      <a16:colId xmlns:a16="http://schemas.microsoft.com/office/drawing/2014/main" xmlns="" val="20015"/>
                     </a:ext>
                   </a:extLst>
                 </a:gridCol>
                 <a:gridCol w="321979">
                   <a:extLst>
                     <a:ext uri="{9D8B030D-6E8A-4147-A177-3AD203B41FA5}">
-                      <a16:colId xmlns:a16="http://schemas.microsoft.com/office/drawing/2014/main" val="20016"/>
+                      <a16:colId xmlns:a16="http://schemas.microsoft.com/office/drawing/2014/main" xmlns="" val="20016"/>
                     </a:ext>
                   </a:extLst>
                 </a:gridCol>
                 <a:gridCol w="321979">
                   <a:extLst>
                     <a:ext uri="{9D8B030D-6E8A-4147-A177-3AD203B41FA5}">
-                      <a16:colId xmlns:a16="http://schemas.microsoft.com/office/drawing/2014/main" val="20017"/>
+                      <a16:colId xmlns:a16="http://schemas.microsoft.com/office/drawing/2014/main" xmlns="" val="20017"/>
                     </a:ext>
                   </a:extLst>
                 </a:gridCol>
@@ -4323,7 +4304,7 @@
                     <a:p>
                       <a:pPr algn="ctr"/>
                       <a:r>
-                        <a:rPr lang="en-US" sz="1400" b="0" dirty="0">
+                        <a:rPr lang="en-US" sz="1800" b="0" dirty="0">
                           <a:solidFill>
                             <a:schemeClr val="tx1"/>
                           </a:solidFill>
@@ -4391,7 +4372,7 @@
                     <a:p>
                       <a:pPr algn="ctr"/>
                       <a:r>
-                        <a:rPr lang="en-US" sz="1300" b="0" dirty="0">
+                        <a:rPr lang="en-US" sz="1600" b="0" dirty="0">
                           <a:solidFill>
                             <a:schemeClr val="tx1"/>
                           </a:solidFill>
@@ -4459,7 +4440,7 @@
                     <a:p>
                       <a:pPr algn="ctr"/>
                       <a:r>
-                        <a:rPr lang="en-US" sz="1300" b="0" dirty="0">
+                        <a:rPr lang="en-US" sz="1600" b="0" dirty="0">
                           <a:solidFill>
                             <a:schemeClr val="bg1"/>
                           </a:solidFill>
@@ -4527,7 +4508,7 @@
                     <a:p>
                       <a:pPr algn="ctr"/>
                       <a:r>
-                        <a:rPr lang="en-US" sz="1300" b="0" dirty="0">
+                        <a:rPr lang="en-US" sz="1600" b="0" dirty="0">
                           <a:solidFill>
                             <a:schemeClr val="tx1"/>
                           </a:solidFill>
@@ -4595,7 +4576,7 @@
                     <a:p>
                       <a:pPr algn="ctr"/>
                       <a:r>
-                        <a:rPr lang="en-US" sz="1300" b="0" dirty="0">
+                        <a:rPr lang="en-US" sz="1600" b="0" dirty="0">
                           <a:solidFill>
                             <a:schemeClr val="tx1"/>
                           </a:solidFill>
@@ -4663,7 +4644,7 @@
                     <a:p>
                       <a:pPr algn="ctr"/>
                       <a:r>
-                        <a:rPr lang="en-US" sz="1300" b="0" dirty="0">
+                        <a:rPr lang="en-US" sz="1600" b="0" dirty="0">
                           <a:solidFill>
                             <a:schemeClr val="tx1"/>
                           </a:solidFill>
@@ -4731,7 +4712,7 @@
                     <a:p>
                       <a:pPr algn="ctr"/>
                       <a:r>
-                        <a:rPr lang="en-US" sz="1300" b="0" dirty="0">
+                        <a:rPr lang="en-US" sz="1600" b="0" dirty="0">
                           <a:solidFill>
                             <a:schemeClr val="bg1"/>
                           </a:solidFill>
@@ -4799,7 +4780,7 @@
                     <a:p>
                       <a:pPr algn="ctr"/>
                       <a:r>
-                        <a:rPr lang="en-US" sz="1300" b="0" dirty="0">
+                        <a:rPr lang="en-US" sz="1600" b="0" dirty="0">
                           <a:solidFill>
                             <a:schemeClr val="tx1"/>
                           </a:solidFill>
@@ -4865,7 +4846,7 @@
                     <a:p>
                       <a:pPr algn="ctr"/>
                       <a:r>
-                        <a:rPr lang="en-US" sz="1300" b="0" dirty="0">
+                        <a:rPr lang="en-US" sz="1600" b="0" dirty="0">
                           <a:solidFill>
                             <a:schemeClr val="tx1"/>
                           </a:solidFill>
@@ -4931,7 +4912,7 @@
                     <a:p>
                       <a:pPr algn="ctr"/>
                       <a:r>
-                        <a:rPr lang="en-US" sz="1300" b="0" dirty="0">
+                        <a:rPr lang="en-US" sz="1600" b="0" dirty="0">
                           <a:solidFill>
                             <a:schemeClr val="tx1"/>
                           </a:solidFill>
@@ -4997,7 +4978,7 @@
                     <a:p>
                       <a:pPr algn="ctr"/>
                       <a:r>
-                        <a:rPr lang="en-US" sz="1300" b="0" dirty="0">
+                        <a:rPr lang="en-US" sz="1600" b="0" dirty="0">
                           <a:solidFill>
                             <a:schemeClr val="tx1"/>
                           </a:solidFill>
@@ -5066,7 +5047,7 @@
                         <a:buNone/>
                       </a:pPr>
                       <a:r>
-                        <a:rPr lang="en-US" sz="1300" b="0" dirty="0">
+                        <a:rPr lang="en-US" sz="1600" b="0" dirty="0">
                           <a:solidFill>
                             <a:schemeClr val="tx1"/>
                           </a:solidFill>
@@ -5132,7 +5113,7 @@
                     <a:p>
                       <a:pPr algn="ctr"/>
                       <a:r>
-                        <a:rPr lang="en-US" sz="1300" b="0" dirty="0">
+                        <a:rPr lang="en-US" sz="1600" b="0" dirty="0">
                           <a:solidFill>
                             <a:schemeClr val="bg1"/>
                           </a:solidFill>
@@ -5200,7 +5181,7 @@
                     <a:p>
                       <a:pPr algn="ctr"/>
                       <a:r>
-                        <a:rPr lang="en-US" sz="1300" b="0" dirty="0">
+                        <a:rPr lang="en-US" sz="1600" b="0" dirty="0">
                           <a:solidFill>
                             <a:schemeClr val="tx1"/>
                           </a:solidFill>
@@ -5266,7 +5247,7 @@
                     <a:p>
                       <a:pPr algn="ctr"/>
                       <a:r>
-                        <a:rPr lang="en-US" sz="1300" b="0" dirty="0">
+                        <a:rPr lang="en-US" sz="1600" b="0" dirty="0">
                           <a:solidFill>
                             <a:schemeClr val="tx1"/>
                           </a:solidFill>
@@ -5332,7 +5313,7 @@
                     <a:p>
                       <a:pPr algn="ctr"/>
                       <a:r>
-                        <a:rPr lang="en-US" sz="1300" b="0" dirty="0">
+                        <a:rPr lang="en-US" sz="1600" b="0" dirty="0">
                           <a:solidFill>
                             <a:schemeClr val="bg1"/>
                           </a:solidFill>
@@ -5400,7 +5381,7 @@
                     <a:p>
                       <a:pPr algn="ctr"/>
                       <a:r>
-                        <a:rPr lang="en-US" sz="1300" b="0" dirty="0">
+                        <a:rPr lang="en-US" sz="1600" b="0" dirty="0">
                           <a:solidFill>
                             <a:schemeClr val="tx1"/>
                           </a:solidFill>
@@ -5466,7 +5447,7 @@
                     <a:p>
                       <a:pPr algn="ctr"/>
                       <a:r>
-                        <a:rPr lang="en-US" sz="1400" b="0" dirty="0">
+                        <a:rPr lang="en-US" sz="1800" b="0" dirty="0">
                           <a:solidFill>
                             <a:schemeClr val="tx1"/>
                           </a:solidFill>
@@ -5527,7 +5508,7 @@
                 </a:tc>
                 <a:extLst>
                   <a:ext uri="{0D108BD9-81ED-4DB2-BD59-A6C34878D82A}">
-                    <a16:rowId xmlns:a16="http://schemas.microsoft.com/office/drawing/2014/main" val="10000"/>
+                    <a16:rowId xmlns:a16="http://schemas.microsoft.com/office/drawing/2014/main" xmlns="" val="10000"/>
                   </a:ext>
                 </a:extLst>
               </a:tr>
@@ -5543,7 +5524,7 @@
         </p:nvCxnSpPr>
         <p:spPr>
           <a:xfrm flipV="1">
-            <a:off x="3225800" y="1624505"/>
+            <a:off x="3225800" y="1855900"/>
             <a:ext cx="0" cy="366115"/>
           </a:xfrm>
           <a:prstGeom prst="straightConnector1">
@@ -5579,7 +5560,7 @@
         </p:nvSpPr>
         <p:spPr>
           <a:xfrm rot="5400000">
-            <a:off x="2464007" y="1890687"/>
+            <a:off x="2464008" y="2122082"/>
             <a:ext cx="157931" cy="1266825"/>
           </a:xfrm>
           <a:prstGeom prst="rightBrace">
@@ -5628,7 +5609,7 @@
         </p:nvSpPr>
         <p:spPr>
           <a:xfrm rot="5400000">
-            <a:off x="4078505" y="1571607"/>
+            <a:off x="4078505" y="1803002"/>
             <a:ext cx="159122" cy="1903789"/>
           </a:xfrm>
           <a:prstGeom prst="rightBrace">
@@ -5677,7 +5658,7 @@
         </p:nvSpPr>
         <p:spPr>
           <a:xfrm rot="5400000">
-            <a:off x="5535223" y="2047253"/>
+            <a:off x="5535224" y="2278647"/>
             <a:ext cx="159125" cy="952500"/>
           </a:xfrm>
           <a:prstGeom prst="rightBrace">
@@ -5718,8 +5699,8 @@
           </a:p>
         </p:txBody>
       </p:sp>
-      <mc:AlternateContent xmlns:mc="http://schemas.openxmlformats.org/markup-compatibility/2006" xmlns:a14="http://schemas.microsoft.com/office/drawing/2010/main">
-        <mc:Choice Requires="a14">
+      <mc:AlternateContent xmlns:mc="http://schemas.openxmlformats.org/markup-compatibility/2006">
+        <mc:Choice xmlns:a14="http://schemas.microsoft.com/office/drawing/2010/main" Requires="a14">
           <p:sp>
             <p:nvSpPr>
               <p:cNvPr id="110" name="TextBox 109"/>
@@ -5728,8 +5709,8 @@
             </p:nvSpPr>
             <p:spPr>
               <a:xfrm>
-                <a:off x="1867245" y="2630460"/>
-                <a:ext cx="1344411" cy="292380"/>
+                <a:off x="1867246" y="2861854"/>
+                <a:ext cx="1344411" cy="338546"/>
               </a:xfrm>
               <a:prstGeom prst="rect">
                 <a:avLst/>
@@ -5745,7 +5726,7 @@
               <a:p>
                 <a:pPr algn="ctr"/>
                 <a:r>
-                  <a:rPr lang="en-US" sz="1300" dirty="0">
+                  <a:rPr lang="en-US" sz="1600" dirty="0">
                     <a:latin typeface="Arial" panose="020B0604020202020204" pitchFamily="34" charset="0"/>
                     <a:cs typeface="Arial" panose="020B0604020202020204" pitchFamily="34" charset="0"/>
                   </a:rPr>
@@ -5754,20 +5735,20 @@
                 <a14:m>
                   <m:oMath xmlns:m="http://schemas.openxmlformats.org/officeDocument/2006/math">
                     <m:r>
-                      <a:rPr lang="en-US" sz="1300" b="0" i="1" spc="-150" smtClean="0">
+                      <a:rPr lang="en-US" sz="1600" i="1" spc="-150">
                         <a:latin typeface="Cambria Math"/>
                       </a:rPr>
                       <m:t>𝑖</m:t>
                     </m:r>
                     <m:r>
-                      <a:rPr lang="en-US" sz="1300" b="0" i="1" spc="-150" smtClean="0">
+                      <a:rPr lang="en-US" sz="1600" i="1" spc="-150">
                         <a:latin typeface="Cambria Math"/>
                       </a:rPr>
                       <m:t>−1</m:t>
                     </m:r>
                   </m:oMath>
                 </a14:m>
-                <a:endParaRPr lang="en-US" sz="1300" spc="-150" dirty="0">
+                <a:endParaRPr lang="en-US" sz="1600" spc="-150" dirty="0">
                   <a:latin typeface="Arial" panose="020B0604020202020204" pitchFamily="34" charset="0"/>
                   <a:cs typeface="Arial" panose="020B0604020202020204" pitchFamily="34" charset="0"/>
                 </a:endParaRPr>
@@ -5775,7 +5756,7 @@
             </p:txBody>
           </p:sp>
         </mc:Choice>
-        <mc:Fallback xmlns="">
+        <mc:Fallback>
           <p:sp>
             <p:nvSpPr>
               <p:cNvPr id="110" name="TextBox 109"/>
@@ -5786,16 +5767,16 @@
             </p:nvSpPr>
             <p:spPr>
               <a:xfrm>
-                <a:off x="1867245" y="2630460"/>
-                <a:ext cx="1344411" cy="292380"/>
+                <a:off x="1867246" y="2861854"/>
+                <a:ext cx="1344411" cy="338546"/>
               </a:xfrm>
               <a:prstGeom prst="rect">
                 <a:avLst/>
               </a:prstGeom>
-              <a:blipFill>
+              <a:blipFill rotWithShape="0">
                 <a:blip r:embed="rId7"/>
                 <a:stretch>
-                  <a:fillRect t="-2128" b="-19149"/>
+                  <a:fillRect t="-5357" b="-21429"/>
                 </a:stretch>
               </a:blipFill>
               <a:effectLst/>
@@ -5815,8 +5796,8 @@
           </p:sp>
         </mc:Fallback>
       </mc:AlternateContent>
-      <mc:AlternateContent xmlns:mc="http://schemas.openxmlformats.org/markup-compatibility/2006" xmlns:a14="http://schemas.microsoft.com/office/drawing/2010/main">
-        <mc:Choice Requires="a14">
+      <mc:AlternateContent xmlns:mc="http://schemas.openxmlformats.org/markup-compatibility/2006">
+        <mc:Choice xmlns:a14="http://schemas.microsoft.com/office/drawing/2010/main" Requires="a14">
           <p:sp>
             <p:nvSpPr>
               <p:cNvPr id="111" name="TextBox 110"/>
@@ -5825,8 +5806,8 @@
             </p:nvSpPr>
             <p:spPr>
               <a:xfrm>
-                <a:off x="3486901" y="2630460"/>
-                <a:ext cx="1344411" cy="292380"/>
+                <a:off x="3486902" y="2861854"/>
+                <a:ext cx="1344411" cy="338546"/>
               </a:xfrm>
               <a:prstGeom prst="rect">
                 <a:avLst/>
@@ -5842,7 +5823,7 @@
               <a:p>
                 <a:pPr algn="ctr"/>
                 <a:r>
-                  <a:rPr lang="en-US" sz="1300" dirty="0">
+                  <a:rPr lang="en-US" sz="1600" dirty="0">
                     <a:latin typeface="Arial" panose="020B0604020202020204" pitchFamily="34" charset="0"/>
                     <a:cs typeface="Arial" panose="020B0604020202020204" pitchFamily="34" charset="0"/>
                   </a:rPr>
@@ -5851,14 +5832,14 @@
                 <a14:m>
                   <m:oMath xmlns:m="http://schemas.openxmlformats.org/officeDocument/2006/math">
                     <m:r>
-                      <a:rPr lang="en-US" sz="1300" b="0" i="1" smtClean="0">
+                      <a:rPr lang="en-US" sz="1600" i="1">
                         <a:latin typeface="Cambria Math"/>
                       </a:rPr>
                       <m:t>𝑖</m:t>
                     </m:r>
                   </m:oMath>
                 </a14:m>
-                <a:endParaRPr lang="en-US" sz="1300" dirty="0">
+                <a:endParaRPr lang="en-US" sz="1600" dirty="0">
                   <a:latin typeface="Arial" panose="020B0604020202020204" pitchFamily="34" charset="0"/>
                   <a:cs typeface="Arial" panose="020B0604020202020204" pitchFamily="34" charset="0"/>
                 </a:endParaRPr>
@@ -5866,7 +5847,7 @@
             </p:txBody>
           </p:sp>
         </mc:Choice>
-        <mc:Fallback xmlns="">
+        <mc:Fallback>
           <p:sp>
             <p:nvSpPr>
               <p:cNvPr id="111" name="TextBox 110"/>
@@ -5877,16 +5858,16 @@
             </p:nvSpPr>
             <p:spPr>
               <a:xfrm>
-                <a:off x="3486901" y="2630460"/>
-                <a:ext cx="1344411" cy="292380"/>
+                <a:off x="3486902" y="2861854"/>
+                <a:ext cx="1344411" cy="338546"/>
               </a:xfrm>
               <a:prstGeom prst="rect">
                 <a:avLst/>
               </a:prstGeom>
-              <a:blipFill>
+              <a:blipFill rotWithShape="0">
                 <a:blip r:embed="rId8"/>
                 <a:stretch>
-                  <a:fillRect t="-2128" b="-19149"/>
+                  <a:fillRect t="-5357" b="-21429"/>
                 </a:stretch>
               </a:blipFill>
               <a:effectLst/>
@@ -5906,8 +5887,8 @@
           </p:sp>
         </mc:Fallback>
       </mc:AlternateContent>
-      <mc:AlternateContent xmlns:mc="http://schemas.openxmlformats.org/markup-compatibility/2006" xmlns:a14="http://schemas.microsoft.com/office/drawing/2010/main">
-        <mc:Choice Requires="a14">
+      <mc:AlternateContent xmlns:mc="http://schemas.openxmlformats.org/markup-compatibility/2006">
+        <mc:Choice xmlns:a14="http://schemas.microsoft.com/office/drawing/2010/main" Requires="a14">
           <p:sp>
             <p:nvSpPr>
               <p:cNvPr id="112" name="TextBox 111"/>
@@ -5916,8 +5897,8 @@
             </p:nvSpPr>
             <p:spPr>
               <a:xfrm>
-                <a:off x="5004700" y="2630460"/>
-                <a:ext cx="1222192" cy="292380"/>
+                <a:off x="5004700" y="2861854"/>
+                <a:ext cx="1222192" cy="338546"/>
               </a:xfrm>
               <a:prstGeom prst="rect">
                 <a:avLst/>
@@ -5933,7 +5914,7 @@
               <a:p>
                 <a:pPr algn="ctr"/>
                 <a:r>
-                  <a:rPr lang="en-US" sz="1300" dirty="0">
+                  <a:rPr lang="en-US" sz="1600" dirty="0">
                     <a:latin typeface="Arial" panose="020B0604020202020204" pitchFamily="34" charset="0"/>
                     <a:cs typeface="Arial" panose="020B0604020202020204" pitchFamily="34" charset="0"/>
                   </a:rPr>
@@ -5942,20 +5923,20 @@
                 <a14:m>
                   <m:oMath xmlns:m="http://schemas.openxmlformats.org/officeDocument/2006/math">
                     <m:r>
-                      <a:rPr lang="en-US" sz="1300" b="0" i="1" spc="-150" smtClean="0">
+                      <a:rPr lang="en-US" sz="1600" i="1" spc="-150">
                         <a:latin typeface="Cambria Math"/>
                       </a:rPr>
                       <m:t>𝑖</m:t>
                     </m:r>
                     <m:r>
-                      <a:rPr lang="en-US" sz="1300" b="0" i="1" spc="-150" smtClean="0">
+                      <a:rPr lang="en-US" sz="1600" i="1" spc="-150">
                         <a:latin typeface="Cambria Math"/>
                       </a:rPr>
                       <m:t>+1</m:t>
                     </m:r>
                   </m:oMath>
                 </a14:m>
-                <a:endParaRPr lang="en-US" sz="1300" spc="-150" dirty="0">
+                <a:endParaRPr lang="en-US" sz="1600" spc="-150" dirty="0">
                   <a:latin typeface="Arial" panose="020B0604020202020204" pitchFamily="34" charset="0"/>
                   <a:cs typeface="Arial" panose="020B0604020202020204" pitchFamily="34" charset="0"/>
                 </a:endParaRPr>
@@ -5963,7 +5944,7 @@
             </p:txBody>
           </p:sp>
         </mc:Choice>
-        <mc:Fallback xmlns="">
+        <mc:Fallback>
           <p:sp>
             <p:nvSpPr>
               <p:cNvPr id="112" name="TextBox 111"/>
@@ -5974,16 +5955,16 @@
             </p:nvSpPr>
             <p:spPr>
               <a:xfrm>
-                <a:off x="5004700" y="2630460"/>
-                <a:ext cx="1222192" cy="292380"/>
+                <a:off x="5004700" y="2861854"/>
+                <a:ext cx="1222192" cy="338546"/>
               </a:xfrm>
               <a:prstGeom prst="rect">
                 <a:avLst/>
               </a:prstGeom>
-              <a:blipFill>
+              <a:blipFill rotWithShape="0">
                 <a:blip r:embed="rId9"/>
                 <a:stretch>
-                  <a:fillRect t="-2128" b="-19149"/>
+                  <a:fillRect l="-2000" t="-5357" b="-21429"/>
                 </a:stretch>
               </a:blipFill>
               <a:effectLst/>
@@ -6011,8 +5992,8 @@
         </p:nvSpPr>
         <p:spPr>
           <a:xfrm>
-            <a:off x="38100" y="2032226"/>
-            <a:ext cx="1344411" cy="292380"/>
+            <a:off x="1" y="2211502"/>
+            <a:ext cx="1344411" cy="338546"/>
           </a:xfrm>
           <a:prstGeom prst="rect">
             <a:avLst/>
@@ -6028,7 +6009,7 @@
           <a:p>
             <a:pPr algn="ctr"/>
             <a:r>
-              <a:rPr lang="en-US" sz="1300" dirty="0">
+              <a:rPr lang="en-US" sz="1600" dirty="0">
                 <a:latin typeface="Arial" panose="020B0604020202020204" pitchFamily="34" charset="0"/>
                 <a:cs typeface="Arial" panose="020B0604020202020204" pitchFamily="34" charset="0"/>
               </a:rPr>
@@ -6057,7 +6038,7 @@
         </p:nvCxnSpPr>
         <p:spPr>
           <a:xfrm flipV="1">
-            <a:off x="3494521" y="1626515"/>
+            <a:off x="3494521" y="1857910"/>
             <a:ext cx="0" cy="366115"/>
           </a:xfrm>
           <a:prstGeom prst="straightConnector1">
@@ -6093,7 +6074,7 @@
         </p:nvSpPr>
         <p:spPr>
           <a:xfrm rot="16200000">
-            <a:off x="4261475" y="1134455"/>
+            <a:off x="4261475" y="1365849"/>
             <a:ext cx="119550" cy="1573380"/>
           </a:xfrm>
           <a:prstGeom prst="rightBrace">
@@ -6142,7 +6123,7 @@
         </p:nvCxnSpPr>
         <p:spPr>
           <a:xfrm flipV="1">
-            <a:off x="4321250" y="1612787"/>
+            <a:off x="4321250" y="1844181"/>
             <a:ext cx="0" cy="275068"/>
           </a:xfrm>
           <a:prstGeom prst="straightConnector1">
@@ -6180,8 +6161,8 @@
             </p:nvSpPr>
             <p:spPr>
               <a:xfrm rot="18000000">
-                <a:off x="4686713" y="211940"/>
-                <a:ext cx="2881865" cy="298856"/>
+                <a:off x="4686714" y="419482"/>
+                <a:ext cx="2881865" cy="346562"/>
               </a:xfrm>
               <a:prstGeom prst="rect">
                 <a:avLst/>
@@ -6196,7 +6177,7 @@
               <a:lstStyle/>
               <a:p>
                 <a:r>
-                  <a:rPr lang="en-US" sz="1300" dirty="0">
+                  <a:rPr lang="en-US" sz="1600" dirty="0">
                     <a:latin typeface="Arial" panose="020B0604020202020204" pitchFamily="34" charset="0"/>
                     <a:cs typeface="Arial" panose="020B0604020202020204" pitchFamily="34" charset="0"/>
                   </a:rPr>
@@ -6207,14 +6188,14 @@
                     <m:sSup>
                       <m:sSupPr>
                         <m:ctrlPr>
-                          <a:rPr lang="en-US" sz="1300" b="0" i="1" smtClean="0">
-                            <a:latin typeface="Cambria Math" panose="02040503050406030204" pitchFamily="18" charset="0"/>
+                          <a:rPr lang="en-US" sz="1600" i="1">
+                            <a:latin typeface="Cambria Math" charset="0"/>
                           </a:rPr>
                         </m:ctrlPr>
                       </m:sSupPr>
                       <m:e>
                         <m:r>
-                          <a:rPr lang="en-US" sz="1300" b="0" i="1" smtClean="0">
+                          <a:rPr lang="en-US" sz="1600" i="1">
                             <a:latin typeface="Cambria Math"/>
                           </a:rPr>
                           <m:t>2</m:t>
@@ -6222,29 +6203,23 @@
                       </m:e>
                       <m:sup>
                         <m:r>
-                          <a:rPr lang="en-US" sz="1300" b="0" i="1" smtClean="0">
+                          <a:rPr lang="en-US" sz="1600" i="1">
                             <a:latin typeface="Cambria Math"/>
                           </a:rPr>
                           <m:t>𝑖</m:t>
                         </m:r>
                         <m:r>
-                          <a:rPr lang="en-US" sz="1300" b="0" i="1" smtClean="0">
+                          <a:rPr lang="en-US" sz="1600" i="1">
                             <a:latin typeface="Cambria Math" panose="02040503050406030204" pitchFamily="18" charset="0"/>
                           </a:rPr>
-                          <m:t>+</m:t>
-                        </m:r>
-                        <m:r>
-                          <a:rPr lang="en-US" sz="1300" b="0" i="1" smtClean="0">
-                            <a:latin typeface="Cambria Math" panose="02040503050406030204" pitchFamily="18" charset="0"/>
-                          </a:rPr>
-                          <m:t>5</m:t>
+                          <m:t>+5</m:t>
                         </m:r>
                       </m:sup>
                     </m:sSup>
                   </m:oMath>
                 </a14:m>
                 <a:r>
-                  <a:rPr lang="en-US" sz="1300" dirty="0">
+                  <a:rPr lang="en-US" sz="1600" dirty="0">
                     <a:latin typeface="Arial" panose="020B0604020202020204" pitchFamily="34" charset="0"/>
                     <a:cs typeface="Arial" panose="020B0604020202020204" pitchFamily="34" charset="0"/>
                   </a:rPr>
@@ -6265,16 +6240,16 @@
             </p:nvSpPr>
             <p:spPr>
               <a:xfrm rot="18000000">
-                <a:off x="4686713" y="211940"/>
-                <a:ext cx="2881865" cy="298856"/>
+                <a:off x="4686714" y="419482"/>
+                <a:ext cx="2881865" cy="346562"/>
               </a:xfrm>
               <a:prstGeom prst="rect">
                 <a:avLst/>
               </a:prstGeom>
-              <a:blipFill>
+              <a:blipFill rotWithShape="0">
                 <a:blip r:embed="rId10"/>
                 <a:stretch>
-                  <a:fillRect b="-920"/>
+                  <a:fillRect l="-1049" b="-2278"/>
                 </a:stretch>
               </a:blipFill>
               <a:effectLst/>
@@ -6302,7 +6277,7 @@
         </p:nvCxnSpPr>
         <p:spPr>
           <a:xfrm flipV="1">
-            <a:off x="5407244" y="1626674"/>
+            <a:off x="5407244" y="1858069"/>
             <a:ext cx="0" cy="366115"/>
           </a:xfrm>
           <a:prstGeom prst="straightConnector1">
@@ -6338,8 +6313,8 @@
         </p:nvSpPr>
         <p:spPr>
           <a:xfrm>
-            <a:off x="5816600" y="965141"/>
-            <a:ext cx="1344411" cy="338546"/>
+            <a:off x="5816601" y="1196535"/>
+            <a:ext cx="1344411" cy="369324"/>
           </a:xfrm>
           <a:prstGeom prst="rect">
             <a:avLst/>
@@ -6355,7 +6330,7 @@
           <a:p>
             <a:pPr algn="ctr"/>
             <a:r>
-              <a:rPr lang="en-US" sz="1600" dirty="0">
+              <a:rPr lang="en-US" sz="1800" b="1" dirty="0">
                 <a:latin typeface="Times New Roman" panose="02020603050405020304" pitchFamily="18" charset="0"/>
                 <a:cs typeface="Times New Roman" panose="02020603050405020304" pitchFamily="18" charset="0"/>
               </a:rPr>
@@ -6372,8 +6347,8 @@
         </p:nvSpPr>
         <p:spPr>
           <a:xfrm>
-            <a:off x="1858669" y="965141"/>
-            <a:ext cx="1344411" cy="338546"/>
+            <a:off x="1858670" y="1196535"/>
+            <a:ext cx="1344411" cy="369324"/>
           </a:xfrm>
           <a:prstGeom prst="rect">
             <a:avLst/>
@@ -6389,12 +6364,16 @@
           <a:p>
             <a:pPr algn="ctr"/>
             <a:r>
-              <a:rPr lang="en-US" sz="1600" dirty="0">
+              <a:rPr lang="en-US" sz="1800" b="1" dirty="0">
                 <a:latin typeface="Times New Roman" panose="02020603050405020304" pitchFamily="18" charset="0"/>
                 <a:cs typeface="Times New Roman" panose="02020603050405020304" pitchFamily="18" charset="0"/>
               </a:rPr>
               <a:t>…</a:t>
             </a:r>
+            <a:endParaRPr lang="en-US" sz="1600" b="1" dirty="0">
+              <a:latin typeface="Times New Roman" panose="02020603050405020304" pitchFamily="18" charset="0"/>
+              <a:cs typeface="Times New Roman" panose="02020603050405020304" pitchFamily="18" charset="0"/>
+            </a:endParaRPr>
           </a:p>
         </p:txBody>
       </p:sp>
